--- a/chapter 7.pptx
+++ b/chapter 7.pptx
@@ -227,7 +227,7 @@
           <a:p>
             <a:fld id="{FD31E214-2B8C-49A9-B99E-57B52F5543EA}" type="datetimeFigureOut">
               <a:rPr lang="ko-KR" altLang="en-US" smtClean="0"/>
-              <a:t>2018-06-18</a:t>
+              <a:t>2018-06-21</a:t>
             </a:fld>
             <a:endParaRPr lang="ko-KR" altLang="en-US"/>
           </a:p>
@@ -1298,7 +1298,7 @@
           <a:p>
             <a:fld id="{A48DD352-2190-428C-9DDF-A34225C798F6}" type="datetime1">
               <a:rPr lang="ko-KR" altLang="en-US" smtClean="0"/>
-              <a:t>2018-06-18</a:t>
+              <a:t>2018-06-21</a:t>
             </a:fld>
             <a:endParaRPr lang="ko-KR" altLang="en-US"/>
           </a:p>
@@ -1468,7 +1468,7 @@
           <a:p>
             <a:fld id="{EEBB40D4-28B3-476D-8874-D0BEDC1E9D38}" type="datetime1">
               <a:rPr lang="ko-KR" altLang="en-US" smtClean="0"/>
-              <a:t>2018-06-18</a:t>
+              <a:t>2018-06-21</a:t>
             </a:fld>
             <a:endParaRPr lang="ko-KR" altLang="en-US"/>
           </a:p>
@@ -1648,7 +1648,7 @@
           <a:p>
             <a:fld id="{19EB0236-10FF-4F4F-920B-E4AA2B390DED}" type="datetime1">
               <a:rPr lang="ko-KR" altLang="en-US" smtClean="0"/>
-              <a:t>2018-06-18</a:t>
+              <a:t>2018-06-21</a:t>
             </a:fld>
             <a:endParaRPr lang="ko-KR" altLang="en-US"/>
           </a:p>
@@ -1818,7 +1818,7 @@
           <a:p>
             <a:fld id="{6E2D4A89-3371-4E7F-AE90-3D12A07B38C1}" type="datetime1">
               <a:rPr lang="ko-KR" altLang="en-US" smtClean="0"/>
-              <a:t>2018-06-18</a:t>
+              <a:t>2018-06-21</a:t>
             </a:fld>
             <a:endParaRPr lang="ko-KR" altLang="en-US"/>
           </a:p>
@@ -2064,7 +2064,7 @@
           <a:p>
             <a:fld id="{11F1AD0B-B493-4416-81A6-DD6F51B0C96F}" type="datetime1">
               <a:rPr lang="ko-KR" altLang="en-US" smtClean="0"/>
-              <a:t>2018-06-18</a:t>
+              <a:t>2018-06-21</a:t>
             </a:fld>
             <a:endParaRPr lang="ko-KR" altLang="en-US"/>
           </a:p>
@@ -2296,7 +2296,7 @@
           <a:p>
             <a:fld id="{6B0F0053-54DD-4382-82A8-37C3518AC83D}" type="datetime1">
               <a:rPr lang="ko-KR" altLang="en-US" smtClean="0"/>
-              <a:t>2018-06-18</a:t>
+              <a:t>2018-06-21</a:t>
             </a:fld>
             <a:endParaRPr lang="ko-KR" altLang="en-US"/>
           </a:p>
@@ -2663,7 +2663,7 @@
           <a:p>
             <a:fld id="{D52B2746-8646-4F4D-90D5-FEB1BBC9E288}" type="datetime1">
               <a:rPr lang="ko-KR" altLang="en-US" smtClean="0"/>
-              <a:t>2018-06-18</a:t>
+              <a:t>2018-06-21</a:t>
             </a:fld>
             <a:endParaRPr lang="ko-KR" altLang="en-US"/>
           </a:p>
@@ -2781,7 +2781,7 @@
           <a:p>
             <a:fld id="{15638554-2716-40F4-8A4A-99E37A69B971}" type="datetime1">
               <a:rPr lang="ko-KR" altLang="en-US" smtClean="0"/>
-              <a:t>2018-06-18</a:t>
+              <a:t>2018-06-21</a:t>
             </a:fld>
             <a:endParaRPr lang="ko-KR" altLang="en-US"/>
           </a:p>
@@ -2876,7 +2876,7 @@
           <a:p>
             <a:fld id="{F4A98F9D-634E-42C0-A80D-3E9BDE9241E1}" type="datetime1">
               <a:rPr lang="ko-KR" altLang="en-US" smtClean="0"/>
-              <a:t>2018-06-18</a:t>
+              <a:t>2018-06-21</a:t>
             </a:fld>
             <a:endParaRPr lang="ko-KR" altLang="en-US"/>
           </a:p>
@@ -3153,7 +3153,7 @@
           <a:p>
             <a:fld id="{7248165F-1064-44EE-9A4E-B47C2CA1CFB9}" type="datetime1">
               <a:rPr lang="ko-KR" altLang="en-US" smtClean="0"/>
-              <a:t>2018-06-18</a:t>
+              <a:t>2018-06-21</a:t>
             </a:fld>
             <a:endParaRPr lang="ko-KR" altLang="en-US"/>
           </a:p>
@@ -3406,7 +3406,7 @@
           <a:p>
             <a:fld id="{2EFE3997-AF3F-4DF6-981D-8DEB80CF7CBA}" type="datetime1">
               <a:rPr lang="ko-KR" altLang="en-US" smtClean="0"/>
-              <a:t>2018-06-18</a:t>
+              <a:t>2018-06-21</a:t>
             </a:fld>
             <a:endParaRPr lang="ko-KR" altLang="en-US"/>
           </a:p>
@@ -3619,7 +3619,7 @@
           <a:p>
             <a:fld id="{E4E7CC49-2484-4994-B747-559798B6D583}" type="datetime1">
               <a:rPr lang="ko-KR" altLang="en-US" smtClean="0"/>
-              <a:t>2018-06-18</a:t>
+              <a:t>2018-06-21</a:t>
             </a:fld>
             <a:endParaRPr lang="ko-KR" altLang="en-US"/>
           </a:p>
@@ -9109,7 +9109,6 @@
               <a:rPr lang="en-US" altLang="ko-KR" dirty="0"/>
               <a:t>.</a:t>
             </a:r>
-            <a:endParaRPr lang="en-US" altLang="ko-KR" dirty="0"/>
           </a:p>
         </p:txBody>
       </p:sp>
@@ -9330,11 +9329,7 @@
             </a:r>
             <a:r>
               <a:rPr lang="en-US" altLang="ko-KR" dirty="0" smtClean="0"/>
-              <a:t>(Union</a:t>
-            </a:r>
-            <a:r>
-              <a:rPr lang="en-US" altLang="ko-KR" dirty="0" smtClean="0"/>
-              <a:t>)</a:t>
+              <a:t>(Union)</a:t>
             </a:r>
             <a:r>
               <a:rPr lang="ko-KR" altLang="en-US" dirty="0" smtClean="0"/>
@@ -9362,7 +9357,15 @@
             </a:r>
             <a:r>
               <a:rPr lang="en-US" altLang="ko-KR" dirty="0"/>
-              <a:t>, Y → Z </a:t>
+              <a:t>, </a:t>
+            </a:r>
+            <a:r>
+              <a:rPr lang="en-US" altLang="ko-KR" dirty="0" smtClean="0"/>
+              <a:t>X </a:t>
+            </a:r>
+            <a:r>
+              <a:rPr lang="en-US" altLang="ko-KR" dirty="0"/>
+              <a:t>→ Z </a:t>
             </a:r>
             <a:r>
               <a:rPr lang="ko-KR" altLang="en-US" dirty="0"/>
@@ -9473,7 +9476,6 @@
               <a:rPr lang="en-US" altLang="ko-KR" dirty="0"/>
               <a:t>.</a:t>
             </a:r>
-            <a:endParaRPr lang="en-US" altLang="ko-KR" dirty="0"/>
           </a:p>
         </p:txBody>
       </p:sp>
@@ -9978,7 +9980,15 @@
             </a:r>
             <a:r>
               <a:rPr lang="en-US" altLang="ko-KR" dirty="0"/>
-              <a:t>, Y → Z </a:t>
+              <a:t>, </a:t>
+            </a:r>
+            <a:r>
+              <a:rPr lang="en-US" altLang="ko-KR" dirty="0" smtClean="0"/>
+              <a:t>X </a:t>
+            </a:r>
+            <a:r>
+              <a:rPr lang="en-US" altLang="ko-KR" dirty="0"/>
+              <a:t>→ Z </a:t>
             </a:r>
             <a:r>
               <a:rPr lang="ko-KR" altLang="en-US" dirty="0"/>
@@ -10055,7 +10065,15 @@
             </a:pPr>
             <a:r>
               <a:rPr lang="en-US" altLang="ko-KR" dirty="0"/>
-              <a:t>Y → </a:t>
+              <a:t>X</a:t>
+            </a:r>
+            <a:r>
+              <a:rPr lang="en-US" altLang="ko-KR" dirty="0" smtClean="0"/>
+              <a:t> </a:t>
+            </a:r>
+            <a:r>
+              <a:rPr lang="en-US" altLang="ko-KR" dirty="0"/>
+              <a:t>→ </a:t>
             </a:r>
             <a:r>
               <a:rPr lang="en-US" altLang="ko-KR" dirty="0" smtClean="0"/>
@@ -10183,7 +10201,11 @@
             </a:r>
             <a:r>
               <a:rPr lang="en-US" altLang="ko-KR" dirty="0" smtClean="0"/>
-              <a:t>XY → YZ</a:t>
+              <a:t>XY </a:t>
+            </a:r>
+            <a:r>
+              <a:rPr lang="en-US" altLang="ko-KR" dirty="0" smtClean="0"/>
+              <a:t>→ YZ</a:t>
             </a:r>
           </a:p>
           <a:p>
@@ -21084,7 +21106,6 @@
                         <a:rPr lang="en-US" altLang="ko-KR" dirty="0" smtClean="0"/>
                         <a:t>A</a:t>
                       </a:r>
-                      <a:endParaRPr lang="en-US" altLang="ko-KR" dirty="0" smtClean="0"/>
                     </a:p>
                   </a:txBody>
                   <a:tcPr/>
@@ -21459,11 +21480,7 @@
             </a:r>
             <a:r>
               <a:rPr lang="en-US" altLang="ko-KR" dirty="0" smtClean="0"/>
-              <a:t> </a:t>
-            </a:r>
-            <a:r>
-              <a:rPr lang="en-US" altLang="ko-KR" dirty="0" smtClean="0"/>
-              <a:t>→ </a:t>
+              <a:t> → </a:t>
             </a:r>
             <a:r>
               <a:rPr lang="ko-KR" altLang="en-US" dirty="0" smtClean="0"/>
@@ -23083,7 +23100,6 @@
                         <a:rPr lang="en-US" altLang="ko-KR" dirty="0" smtClean="0"/>
                         <a:t>A</a:t>
                       </a:r>
-                      <a:endParaRPr lang="en-US" altLang="ko-KR" dirty="0" smtClean="0"/>
                     </a:p>
                   </a:txBody>
                   <a:tcPr/>
@@ -23123,7 +23139,6 @@
                         <a:rPr lang="en-US" altLang="ko-KR" dirty="0" smtClean="0"/>
                         <a:t>B</a:t>
                       </a:r>
-                      <a:endParaRPr lang="en-US" altLang="ko-KR" dirty="0" smtClean="0"/>
                     </a:p>
                   </a:txBody>
                   <a:tcPr/>
@@ -23254,7 +23269,6 @@
               <a:rPr lang="en-US" altLang="ko-KR" dirty="0" smtClean="0"/>
               <a:t>)</a:t>
             </a:r>
-            <a:endParaRPr lang="en-US" altLang="ko-KR" dirty="0" smtClean="0"/>
           </a:p>
           <a:p>
             <a:pPr>
